--- a/pictures/HEM_expand/DualReverseOptimization.pptx
+++ b/pictures/HEM_expand/DualReverseOptimization.pptx
@@ -197,7 +197,7 @@
           <a:p>
             <a:fld id="{1310C905-E274-F147-B7E3-15734FF4993D}" type="datetimeFigureOut">
               <a:rPr kumimoji="1" lang="zh-CN" altLang="en-US" smtClean="0"/>
-              <a:t>2022/4/16</a:t>
+              <a:t>2022/5/28</a:t>
             </a:fld>
             <a:endParaRPr kumimoji="1" lang="zh-CN" altLang="en-US"/>
           </a:p>
@@ -684,7 +684,7 @@
           <a:p>
             <a:fld id="{05C8E58B-D684-9F4E-935E-D311B71F30B1}" type="datetimeFigureOut">
               <a:rPr kumimoji="1" lang="zh-CN" altLang="en-US" smtClean="0"/>
-              <a:t>2022/4/16</a:t>
+              <a:t>2022/5/28</a:t>
             </a:fld>
             <a:endParaRPr kumimoji="1" lang="zh-CN" altLang="en-US"/>
           </a:p>
@@ -854,7 +854,7 @@
           <a:p>
             <a:fld id="{05C8E58B-D684-9F4E-935E-D311B71F30B1}" type="datetimeFigureOut">
               <a:rPr kumimoji="1" lang="zh-CN" altLang="en-US" smtClean="0"/>
-              <a:t>2022/4/16</a:t>
+              <a:t>2022/5/28</a:t>
             </a:fld>
             <a:endParaRPr kumimoji="1" lang="zh-CN" altLang="en-US"/>
           </a:p>
@@ -1034,7 +1034,7 @@
           <a:p>
             <a:fld id="{05C8E58B-D684-9F4E-935E-D311B71F30B1}" type="datetimeFigureOut">
               <a:rPr kumimoji="1" lang="zh-CN" altLang="en-US" smtClean="0"/>
-              <a:t>2022/4/16</a:t>
+              <a:t>2022/5/28</a:t>
             </a:fld>
             <a:endParaRPr kumimoji="1" lang="zh-CN" altLang="en-US"/>
           </a:p>
@@ -1204,7 +1204,7 @@
           <a:p>
             <a:fld id="{05C8E58B-D684-9F4E-935E-D311B71F30B1}" type="datetimeFigureOut">
               <a:rPr kumimoji="1" lang="zh-CN" altLang="en-US" smtClean="0"/>
-              <a:t>2022/4/16</a:t>
+              <a:t>2022/5/28</a:t>
             </a:fld>
             <a:endParaRPr kumimoji="1" lang="zh-CN" altLang="en-US"/>
           </a:p>
@@ -1450,7 +1450,7 @@
           <a:p>
             <a:fld id="{05C8E58B-D684-9F4E-935E-D311B71F30B1}" type="datetimeFigureOut">
               <a:rPr kumimoji="1" lang="zh-CN" altLang="en-US" smtClean="0"/>
-              <a:t>2022/4/16</a:t>
+              <a:t>2022/5/28</a:t>
             </a:fld>
             <a:endParaRPr kumimoji="1" lang="zh-CN" altLang="en-US"/>
           </a:p>
@@ -1682,7 +1682,7 @@
           <a:p>
             <a:fld id="{05C8E58B-D684-9F4E-935E-D311B71F30B1}" type="datetimeFigureOut">
               <a:rPr kumimoji="1" lang="zh-CN" altLang="en-US" smtClean="0"/>
-              <a:t>2022/4/16</a:t>
+              <a:t>2022/5/28</a:t>
             </a:fld>
             <a:endParaRPr kumimoji="1" lang="zh-CN" altLang="en-US"/>
           </a:p>
@@ -2049,7 +2049,7 @@
           <a:p>
             <a:fld id="{05C8E58B-D684-9F4E-935E-D311B71F30B1}" type="datetimeFigureOut">
               <a:rPr kumimoji="1" lang="zh-CN" altLang="en-US" smtClean="0"/>
-              <a:t>2022/4/16</a:t>
+              <a:t>2022/5/28</a:t>
             </a:fld>
             <a:endParaRPr kumimoji="1" lang="zh-CN" altLang="en-US"/>
           </a:p>
@@ -2167,7 +2167,7 @@
           <a:p>
             <a:fld id="{05C8E58B-D684-9F4E-935E-D311B71F30B1}" type="datetimeFigureOut">
               <a:rPr kumimoji="1" lang="zh-CN" altLang="en-US" smtClean="0"/>
-              <a:t>2022/4/16</a:t>
+              <a:t>2022/5/28</a:t>
             </a:fld>
             <a:endParaRPr kumimoji="1" lang="zh-CN" altLang="en-US"/>
           </a:p>
@@ -2262,7 +2262,7 @@
           <a:p>
             <a:fld id="{05C8E58B-D684-9F4E-935E-D311B71F30B1}" type="datetimeFigureOut">
               <a:rPr kumimoji="1" lang="zh-CN" altLang="en-US" smtClean="0"/>
-              <a:t>2022/4/16</a:t>
+              <a:t>2022/5/28</a:t>
             </a:fld>
             <a:endParaRPr kumimoji="1" lang="zh-CN" altLang="en-US"/>
           </a:p>
@@ -2539,7 +2539,7 @@
           <a:p>
             <a:fld id="{05C8E58B-D684-9F4E-935E-D311B71F30B1}" type="datetimeFigureOut">
               <a:rPr kumimoji="1" lang="zh-CN" altLang="en-US" smtClean="0"/>
-              <a:t>2022/4/16</a:t>
+              <a:t>2022/5/28</a:t>
             </a:fld>
             <a:endParaRPr kumimoji="1" lang="zh-CN" altLang="en-US"/>
           </a:p>
@@ -2796,7 +2796,7 @@
           <a:p>
             <a:fld id="{05C8E58B-D684-9F4E-935E-D311B71F30B1}" type="datetimeFigureOut">
               <a:rPr kumimoji="1" lang="zh-CN" altLang="en-US" smtClean="0"/>
-              <a:t>2022/4/16</a:t>
+              <a:t>2022/5/28</a:t>
             </a:fld>
             <a:endParaRPr kumimoji="1" lang="zh-CN" altLang="en-US"/>
           </a:p>
@@ -3009,7 +3009,7 @@
           <a:p>
             <a:fld id="{05C8E58B-D684-9F4E-935E-D311B71F30B1}" type="datetimeFigureOut">
               <a:rPr kumimoji="1" lang="zh-CN" altLang="en-US" smtClean="0"/>
-              <a:t>2022/4/16</a:t>
+              <a:t>2022/5/28</a:t>
             </a:fld>
             <a:endParaRPr kumimoji="1" lang="zh-CN" altLang="en-US"/>
           </a:p>
@@ -5352,8 +5352,8 @@
         </p:nvSpPr>
         <p:spPr>
           <a:xfrm>
-            <a:off x="9721166" y="2972684"/>
-            <a:ext cx="1193899" cy="482591"/>
+            <a:off x="10106326" y="2972684"/>
+            <a:ext cx="808739" cy="482591"/>
           </a:xfrm>
           <a:prstGeom prst="arc">
             <a:avLst>
@@ -5392,51 +5392,6 @@
           </a:p>
         </p:txBody>
       </p:sp>
-      <p:cxnSp>
-        <p:nvCxnSpPr>
-          <p:cNvPr id="435" name="直接连接符 434">
-            <a:extLst>
-              <a:ext uri="{FF2B5EF4-FFF2-40B4-BE49-F238E27FC236}">
-                <a16:creationId xmlns:a16="http://schemas.microsoft.com/office/drawing/2014/main" id="{1F66B50B-8CEC-476A-A3EB-95B149F94986}"/>
-              </a:ext>
-            </a:extLst>
-          </p:cNvPr>
-          <p:cNvCxnSpPr>
-            <a:cxnSpLocks/>
-          </p:cNvCxnSpPr>
-          <p:nvPr/>
-        </p:nvCxnSpPr>
-        <p:spPr>
-          <a:xfrm flipV="1">
-            <a:off x="10309762" y="2919902"/>
-            <a:ext cx="0" cy="52782"/>
-          </a:xfrm>
-          <a:prstGeom prst="line">
-            <a:avLst/>
-          </a:prstGeom>
-          <a:ln w="28575">
-            <a:solidFill>
-              <a:schemeClr val="accent5">
-                <a:lumMod val="50000"/>
-              </a:schemeClr>
-            </a:solidFill>
-          </a:ln>
-        </p:spPr>
-        <p:style>
-          <a:lnRef idx="1">
-            <a:schemeClr val="accent1"/>
-          </a:lnRef>
-          <a:fillRef idx="0">
-            <a:schemeClr val="accent1"/>
-          </a:fillRef>
-          <a:effectRef idx="0">
-            <a:schemeClr val="accent1"/>
-          </a:effectRef>
-          <a:fontRef idx="minor">
-            <a:schemeClr val="tx1"/>
-          </a:fontRef>
-        </p:style>
-      </p:cxnSp>
       <p:sp>
         <p:nvSpPr>
           <p:cNvPr id="436" name="文本框 435">
@@ -5451,8 +5406,8 @@
         </p:nvSpPr>
         <p:spPr>
           <a:xfrm>
-            <a:off x="10067246" y="2673135"/>
-            <a:ext cx="501739" cy="285591"/>
+            <a:off x="10266824" y="2670469"/>
+            <a:ext cx="476092" cy="285591"/>
           </a:xfrm>
           <a:prstGeom prst="rect">
             <a:avLst/>
@@ -5467,11 +5422,11 @@
           <a:p>
             <a:pPr algn="ctr"/>
             <a:r>
-              <a:rPr kumimoji="1" lang="en-US" altLang="zh-CN" sz="1856" dirty="0">
+              <a:rPr kumimoji="1" lang="en-US" altLang="zh-CN" sz="1856">
                 <a:latin typeface="Times New Roman" panose="02020603050405020304" pitchFamily="18" charset="0"/>
                 <a:cs typeface="Times New Roman" panose="02020603050405020304" pitchFamily="18" charset="0"/>
               </a:rPr>
-              <a:t>DRO</a:t>
+              <a:t>GSO</a:t>
             </a:r>
             <a:endParaRPr kumimoji="1" lang="zh-CN" altLang="en-US" sz="1856" baseline="-25000" dirty="0">
               <a:latin typeface="Times New Roman" panose="02020603050405020304" pitchFamily="18" charset="0"/>
@@ -5521,6 +5476,51 @@
           </a:fillRef>
           <a:effectRef idx="0">
             <a:scrgbClr r="0" g="0" b="0"/>
+          </a:effectRef>
+          <a:fontRef idx="minor">
+            <a:schemeClr val="tx1"/>
+          </a:fontRef>
+        </p:style>
+      </p:cxnSp>
+      <p:cxnSp>
+        <p:nvCxnSpPr>
+          <p:cNvPr id="50" name="直接连接符 49">
+            <a:extLst>
+              <a:ext uri="{FF2B5EF4-FFF2-40B4-BE49-F238E27FC236}">
+                <a16:creationId xmlns:a16="http://schemas.microsoft.com/office/drawing/2014/main" id="{D635A29E-2423-440B-D551-CD8EF006BBBE}"/>
+              </a:ext>
+            </a:extLst>
+          </p:cNvPr>
+          <p:cNvCxnSpPr>
+            <a:cxnSpLocks/>
+          </p:cNvCxnSpPr>
+          <p:nvPr/>
+        </p:nvCxnSpPr>
+        <p:spPr>
+          <a:xfrm flipV="1">
+            <a:off x="10496924" y="2912670"/>
+            <a:ext cx="0" cy="52782"/>
+          </a:xfrm>
+          <a:prstGeom prst="line">
+            <a:avLst/>
+          </a:prstGeom>
+          <a:ln w="28575">
+            <a:solidFill>
+              <a:schemeClr val="accent5">
+                <a:lumMod val="50000"/>
+              </a:schemeClr>
+            </a:solidFill>
+          </a:ln>
+        </p:spPr>
+        <p:style>
+          <a:lnRef idx="1">
+            <a:schemeClr val="accent1"/>
+          </a:lnRef>
+          <a:fillRef idx="0">
+            <a:schemeClr val="accent1"/>
+          </a:fillRef>
+          <a:effectRef idx="0">
+            <a:schemeClr val="accent1"/>
           </a:effectRef>
           <a:fontRef idx="minor">
             <a:schemeClr val="tx1"/>
